--- a/Apresentação/Apresentação.pptx
+++ b/Apresentação/Apresentação.pptx
@@ -9,7 +9,17 @@
     <p:sldId id="257" r:id="rId3"/>
     <p:sldId id="258" r:id="rId4"/>
     <p:sldId id="260" r:id="rId5"/>
-    <p:sldId id="261" r:id="rId6"/>
+    <p:sldId id="265" r:id="rId6"/>
+    <p:sldId id="264" r:id="rId7"/>
+    <p:sldId id="261" r:id="rId8"/>
+    <p:sldId id="266" r:id="rId9"/>
+    <p:sldId id="262" r:id="rId10"/>
+    <p:sldId id="267" r:id="rId11"/>
+    <p:sldId id="263" r:id="rId12"/>
+    <p:sldId id="268" r:id="rId13"/>
+    <p:sldId id="269" r:id="rId14"/>
+    <p:sldId id="270" r:id="rId15"/>
+    <p:sldId id="271" r:id="rId16"/>
   </p:sldIdLst>
   <p:sldSz cx="12192000" cy="6858000"/>
   <p:notesSz cx="6858000" cy="9144000"/>
@@ -6181,6 +6191,1007 @@
   <p:clrMapOvr>
     <a:masterClrMapping/>
   </p:clrMapOvr>
+  <mc:AlternateContent xmlns:mc="http://schemas.openxmlformats.org/markup-compatibility/2006">
+    <mc:Choice xmlns:p14="http://schemas.microsoft.com/office/powerpoint/2010/main" Requires="p14">
+      <p:transition spd="slow" p14:dur="3400">
+        <p14:reveal/>
+      </p:transition>
+    </mc:Choice>
+    <mc:Fallback>
+      <p:transition spd="slow">
+        <p:fade/>
+      </p:transition>
+    </mc:Fallback>
+  </mc:AlternateContent>
+  <p:timing>
+    <p:tnLst>
+      <p:par>
+        <p:cTn id="1" dur="indefinite" restart="never" nodeType="tmRoot"/>
+      </p:par>
+    </p:tnLst>
+  </p:timing>
+</p:sld>
+</file>
+
+<file path=ppt/slides/slide10.xml><?xml version="1.0" encoding="utf-8"?>
+<p:sld xmlns:a="http://schemas.openxmlformats.org/drawingml/2006/main" xmlns:r="http://schemas.openxmlformats.org/officeDocument/2006/relationships" xmlns:p="http://schemas.openxmlformats.org/presentationml/2006/main">
+  <p:cSld>
+    <p:spTree>
+      <p:nvGrpSpPr>
+        <p:cNvPr id="1" name=""/>
+        <p:cNvGrpSpPr/>
+        <p:nvPr/>
+      </p:nvGrpSpPr>
+      <p:grpSpPr>
+        <a:xfrm>
+          <a:off x="0" y="0"/>
+          <a:ext cx="0" cy="0"/>
+          <a:chOff x="0" y="0"/>
+          <a:chExt cx="0" cy="0"/>
+        </a:xfrm>
+      </p:grpSpPr>
+      <p:sp>
+        <p:nvSpPr>
+          <p:cNvPr id="4" name="Título 3"/>
+          <p:cNvSpPr>
+            <a:spLocks noGrp="1"/>
+          </p:cNvSpPr>
+          <p:nvPr>
+            <p:ph type="title"/>
+          </p:nvPr>
+        </p:nvSpPr>
+        <p:spPr/>
+        <p:txBody>
+          <a:bodyPr>
+            <a:normAutofit/>
+          </a:bodyPr>
+          <a:lstStyle/>
+          <a:p>
+            <a:r>
+              <a:rPr lang="pt-BR" spc="-150" dirty="0" smtClean="0">
+                <a:solidFill>
+                  <a:schemeClr val="tx1">
+                    <a:lumMod val="75000"/>
+                    <a:lumOff val="25000"/>
+                  </a:schemeClr>
+                </a:solidFill>
+                <a:latin typeface="Roboto" pitchFamily="2" charset="0"/>
+                <a:ea typeface="Roboto" pitchFamily="2" charset="0"/>
+              </a:rPr>
+              <a:t>Consulta de Fornecedores</a:t>
+            </a:r>
+            <a:endParaRPr lang="pt-BR" spc="-150" dirty="0">
+              <a:solidFill>
+                <a:schemeClr val="tx1">
+                  <a:lumMod val="75000"/>
+                  <a:lumOff val="25000"/>
+                </a:schemeClr>
+              </a:solidFill>
+              <a:latin typeface="Roboto" pitchFamily="2" charset="0"/>
+              <a:ea typeface="Roboto" pitchFamily="2" charset="0"/>
+            </a:endParaRPr>
+          </a:p>
+        </p:txBody>
+      </p:sp>
+      <p:sp>
+        <p:nvSpPr>
+          <p:cNvPr id="6" name="Espaço Reservado para Texto 5"/>
+          <p:cNvSpPr>
+            <a:spLocks noGrp="1"/>
+          </p:cNvSpPr>
+          <p:nvPr>
+            <p:ph type="body" sz="half" idx="2"/>
+          </p:nvPr>
+        </p:nvSpPr>
+        <p:spPr/>
+        <p:txBody>
+          <a:bodyPr>
+            <a:normAutofit/>
+          </a:bodyPr>
+          <a:lstStyle/>
+          <a:p>
+            <a:pPr marL="285750" indent="-285750" algn="just">
+              <a:buFontTx/>
+              <a:buChar char="-"/>
+            </a:pPr>
+            <a:r>
+              <a:rPr lang="pt-BR" dirty="0">
+                <a:solidFill>
+                  <a:schemeClr val="accent1">
+                    <a:lumMod val="50000"/>
+                  </a:schemeClr>
+                </a:solidFill>
+              </a:rPr>
+              <a:t>Consulta no banco de dados sobre </a:t>
+            </a:r>
+            <a:r>
+              <a:rPr lang="pt-BR" dirty="0" smtClean="0">
+                <a:solidFill>
+                  <a:schemeClr val="accent1">
+                    <a:lumMod val="50000"/>
+                  </a:schemeClr>
+                </a:solidFill>
+              </a:rPr>
+              <a:t>fornecedores cadastrados no sistema.</a:t>
+            </a:r>
+            <a:endParaRPr lang="pt-BR" dirty="0">
+              <a:solidFill>
+                <a:schemeClr val="accent1">
+                  <a:lumMod val="50000"/>
+                </a:schemeClr>
+              </a:solidFill>
+            </a:endParaRPr>
+          </a:p>
+        </p:txBody>
+      </p:sp>
+      <p:pic>
+        <p:nvPicPr>
+          <p:cNvPr id="7" name="Espaço Reservado para Conteúdo 6"/>
+          <p:cNvPicPr>
+            <a:picLocks noGrp="1" noChangeAspect="1"/>
+          </p:cNvPicPr>
+          <p:nvPr>
+            <p:ph idx="1"/>
+          </p:nvPr>
+        </p:nvPicPr>
+        <p:blipFill>
+          <a:blip r:embed="rId2">
+            <a:extLst>
+              <a:ext uri="{28A0092B-C50C-407E-A947-70E740481C1C}">
+                <a14:useLocalDpi xmlns:a14="http://schemas.microsoft.com/office/drawing/2010/main" val="0"/>
+              </a:ext>
+            </a:extLst>
+          </a:blip>
+          <a:stretch>
+            <a:fillRect/>
+          </a:stretch>
+        </p:blipFill>
+        <p:spPr>
+          <a:xfrm>
+            <a:off x="5262563" y="1277662"/>
+            <a:ext cx="6240462" cy="3921675"/>
+          </a:xfrm>
+        </p:spPr>
+      </p:pic>
+    </p:spTree>
+    <p:extLst>
+      <p:ext uri="{BB962C8B-B14F-4D97-AF65-F5344CB8AC3E}">
+        <p14:creationId xmlns:p14="http://schemas.microsoft.com/office/powerpoint/2010/main" val="3787588097"/>
+      </p:ext>
+    </p:extLst>
+  </p:cSld>
+  <p:clrMapOvr>
+    <a:masterClrMapping/>
+  </p:clrMapOvr>
+  <p:transition spd="slow">
+    <p:wipe/>
+  </p:transition>
+  <p:timing>
+    <p:tnLst>
+      <p:par>
+        <p:cTn id="1" dur="indefinite" restart="never" nodeType="tmRoot"/>
+      </p:par>
+    </p:tnLst>
+  </p:timing>
+</p:sld>
+</file>
+
+<file path=ppt/slides/slide11.xml><?xml version="1.0" encoding="utf-8"?>
+<p:sld xmlns:a="http://schemas.openxmlformats.org/drawingml/2006/main" xmlns:r="http://schemas.openxmlformats.org/officeDocument/2006/relationships" xmlns:p="http://schemas.openxmlformats.org/presentationml/2006/main">
+  <p:cSld>
+    <p:spTree>
+      <p:nvGrpSpPr>
+        <p:cNvPr id="1" name=""/>
+        <p:cNvGrpSpPr/>
+        <p:nvPr/>
+      </p:nvGrpSpPr>
+      <p:grpSpPr>
+        <a:xfrm>
+          <a:off x="0" y="0"/>
+          <a:ext cx="0" cy="0"/>
+          <a:chOff x="0" y="0"/>
+          <a:chExt cx="0" cy="0"/>
+        </a:xfrm>
+      </p:grpSpPr>
+      <p:sp>
+        <p:nvSpPr>
+          <p:cNvPr id="4" name="Título 3"/>
+          <p:cNvSpPr>
+            <a:spLocks noGrp="1"/>
+          </p:cNvSpPr>
+          <p:nvPr>
+            <p:ph type="title"/>
+          </p:nvPr>
+        </p:nvSpPr>
+        <p:spPr/>
+        <p:txBody>
+          <a:bodyPr>
+            <a:normAutofit/>
+          </a:bodyPr>
+          <a:lstStyle/>
+          <a:p>
+            <a:r>
+              <a:rPr lang="pt-BR" dirty="0" smtClean="0">
+                <a:solidFill>
+                  <a:schemeClr val="tx1">
+                    <a:lumMod val="75000"/>
+                    <a:lumOff val="25000"/>
+                  </a:schemeClr>
+                </a:solidFill>
+                <a:latin typeface="Roboto" pitchFamily="2" charset="0"/>
+                <a:ea typeface="Roboto" pitchFamily="2" charset="0"/>
+              </a:rPr>
+              <a:t>Cadastro de Produtos</a:t>
+            </a:r>
+            <a:endParaRPr lang="pt-BR" dirty="0">
+              <a:solidFill>
+                <a:schemeClr val="tx1">
+                  <a:lumMod val="75000"/>
+                  <a:lumOff val="25000"/>
+                </a:schemeClr>
+              </a:solidFill>
+              <a:latin typeface="Roboto" pitchFamily="2" charset="0"/>
+              <a:ea typeface="Roboto" pitchFamily="2" charset="0"/>
+            </a:endParaRPr>
+          </a:p>
+        </p:txBody>
+      </p:sp>
+      <p:sp>
+        <p:nvSpPr>
+          <p:cNvPr id="6" name="Espaço Reservado para Texto 5"/>
+          <p:cNvSpPr>
+            <a:spLocks noGrp="1"/>
+          </p:cNvSpPr>
+          <p:nvPr>
+            <p:ph type="body" sz="half" idx="2"/>
+          </p:nvPr>
+        </p:nvSpPr>
+        <p:spPr/>
+        <p:txBody>
+          <a:bodyPr>
+            <a:normAutofit/>
+          </a:bodyPr>
+          <a:lstStyle/>
+          <a:p>
+            <a:pPr marL="285750" indent="-285750" algn="just">
+              <a:buFontTx/>
+              <a:buChar char="-"/>
+            </a:pPr>
+            <a:r>
+              <a:rPr lang="pt-BR" dirty="0" smtClean="0">
+                <a:solidFill>
+                  <a:schemeClr val="accent1">
+                    <a:lumMod val="50000"/>
+                  </a:schemeClr>
+                </a:solidFill>
+              </a:rPr>
+              <a:t>Cadastros único com informações sobre o produto.</a:t>
+            </a:r>
+          </a:p>
+          <a:p>
+            <a:pPr marL="285750" indent="-285750" algn="just">
+              <a:buFontTx/>
+              <a:buChar char="-"/>
+            </a:pPr>
+            <a:r>
+              <a:rPr lang="pt-BR" dirty="0" smtClean="0">
+                <a:solidFill>
+                  <a:schemeClr val="accent1">
+                    <a:lumMod val="50000"/>
+                  </a:schemeClr>
+                </a:solidFill>
+              </a:rPr>
+              <a:t>Informações do fornecedor atrelados ao produto.</a:t>
+            </a:r>
+            <a:endParaRPr lang="pt-BR" dirty="0" smtClean="0">
+              <a:solidFill>
+                <a:schemeClr val="accent1">
+                  <a:lumMod val="50000"/>
+                </a:schemeClr>
+              </a:solidFill>
+            </a:endParaRPr>
+          </a:p>
+        </p:txBody>
+      </p:sp>
+      <p:pic>
+        <p:nvPicPr>
+          <p:cNvPr id="12" name="Espaço Reservado para Conteúdo 11"/>
+          <p:cNvPicPr>
+            <a:picLocks noGrp="1" noChangeAspect="1"/>
+          </p:cNvPicPr>
+          <p:nvPr>
+            <p:ph idx="1"/>
+          </p:nvPr>
+        </p:nvPicPr>
+        <p:blipFill>
+          <a:blip r:embed="rId2">
+            <a:extLst>
+              <a:ext uri="{28A0092B-C50C-407E-A947-70E740481C1C}">
+                <a14:useLocalDpi xmlns:a14="http://schemas.microsoft.com/office/drawing/2010/main" val="0"/>
+              </a:ext>
+            </a:extLst>
+          </a:blip>
+          <a:stretch>
+            <a:fillRect/>
+          </a:stretch>
+        </p:blipFill>
+        <p:spPr>
+          <a:xfrm>
+            <a:off x="6098016" y="685800"/>
+            <a:ext cx="4569556" cy="5105400"/>
+          </a:xfrm>
+        </p:spPr>
+      </p:pic>
+    </p:spTree>
+    <p:extLst>
+      <p:ext uri="{BB962C8B-B14F-4D97-AF65-F5344CB8AC3E}">
+        <p14:creationId xmlns:p14="http://schemas.microsoft.com/office/powerpoint/2010/main" val="4153553322"/>
+      </p:ext>
+    </p:extLst>
+  </p:cSld>
+  <p:clrMapOvr>
+    <a:masterClrMapping/>
+  </p:clrMapOvr>
+  <mc:AlternateContent xmlns:mc="http://schemas.openxmlformats.org/markup-compatibility/2006">
+    <mc:Choice xmlns:p14="http://schemas.microsoft.com/office/powerpoint/2010/main" Requires="p14">
+      <p:transition spd="slow" p14:dur="1500">
+        <p14:reveal/>
+      </p:transition>
+    </mc:Choice>
+    <mc:Fallback>
+      <p:transition spd="slow">
+        <p:fade/>
+      </p:transition>
+    </mc:Fallback>
+  </mc:AlternateContent>
+  <p:timing>
+    <p:tnLst>
+      <p:par>
+        <p:cTn id="1" dur="indefinite" restart="never" nodeType="tmRoot"/>
+      </p:par>
+    </p:tnLst>
+  </p:timing>
+</p:sld>
+</file>
+
+<file path=ppt/slides/slide12.xml><?xml version="1.0" encoding="utf-8"?>
+<p:sld xmlns:a="http://schemas.openxmlformats.org/drawingml/2006/main" xmlns:r="http://schemas.openxmlformats.org/officeDocument/2006/relationships" xmlns:p="http://schemas.openxmlformats.org/presentationml/2006/main">
+  <p:cSld>
+    <p:spTree>
+      <p:nvGrpSpPr>
+        <p:cNvPr id="1" name=""/>
+        <p:cNvGrpSpPr/>
+        <p:nvPr/>
+      </p:nvGrpSpPr>
+      <p:grpSpPr>
+        <a:xfrm>
+          <a:off x="0" y="0"/>
+          <a:ext cx="0" cy="0"/>
+          <a:chOff x="0" y="0"/>
+          <a:chExt cx="0" cy="0"/>
+        </a:xfrm>
+      </p:grpSpPr>
+      <p:sp>
+        <p:nvSpPr>
+          <p:cNvPr id="4" name="Título 3"/>
+          <p:cNvSpPr>
+            <a:spLocks noGrp="1"/>
+          </p:cNvSpPr>
+          <p:nvPr>
+            <p:ph type="title"/>
+          </p:nvPr>
+        </p:nvSpPr>
+        <p:spPr/>
+        <p:txBody>
+          <a:bodyPr>
+            <a:normAutofit/>
+          </a:bodyPr>
+          <a:lstStyle/>
+          <a:p>
+            <a:r>
+              <a:rPr lang="pt-BR" dirty="0" smtClean="0">
+                <a:solidFill>
+                  <a:schemeClr val="tx1">
+                    <a:lumMod val="75000"/>
+                    <a:lumOff val="25000"/>
+                  </a:schemeClr>
+                </a:solidFill>
+                <a:latin typeface="Roboto" pitchFamily="2" charset="0"/>
+                <a:ea typeface="Roboto" pitchFamily="2" charset="0"/>
+              </a:rPr>
+              <a:t>Consulta de Produtos</a:t>
+            </a:r>
+            <a:endParaRPr lang="pt-BR" dirty="0">
+              <a:solidFill>
+                <a:schemeClr val="tx1">
+                  <a:lumMod val="75000"/>
+                  <a:lumOff val="25000"/>
+                </a:schemeClr>
+              </a:solidFill>
+              <a:latin typeface="Roboto" pitchFamily="2" charset="0"/>
+              <a:ea typeface="Roboto" pitchFamily="2" charset="0"/>
+            </a:endParaRPr>
+          </a:p>
+        </p:txBody>
+      </p:sp>
+      <p:sp>
+        <p:nvSpPr>
+          <p:cNvPr id="6" name="Espaço Reservado para Texto 5"/>
+          <p:cNvSpPr>
+            <a:spLocks noGrp="1"/>
+          </p:cNvSpPr>
+          <p:nvPr>
+            <p:ph type="body" sz="half" idx="2"/>
+          </p:nvPr>
+        </p:nvSpPr>
+        <p:spPr/>
+        <p:txBody>
+          <a:bodyPr>
+            <a:normAutofit/>
+          </a:bodyPr>
+          <a:lstStyle/>
+          <a:p>
+            <a:pPr marL="285750" indent="-285750" algn="just">
+              <a:buFontTx/>
+              <a:buChar char="-"/>
+            </a:pPr>
+            <a:r>
+              <a:rPr lang="pt-BR" dirty="0" smtClean="0">
+                <a:solidFill>
+                  <a:schemeClr val="accent1">
+                    <a:lumMod val="50000"/>
+                  </a:schemeClr>
+                </a:solidFill>
+              </a:rPr>
+              <a:t>Consulta completa sobre produtos no sistema</a:t>
+            </a:r>
+          </a:p>
+          <a:p>
+            <a:pPr marL="285750" indent="-285750" algn="just">
+              <a:buFontTx/>
+              <a:buChar char="-"/>
+            </a:pPr>
+            <a:r>
+              <a:rPr lang="pt-BR" dirty="0" smtClean="0">
+                <a:solidFill>
+                  <a:schemeClr val="accent1">
+                    <a:lumMod val="50000"/>
+                  </a:schemeClr>
+                </a:solidFill>
+              </a:rPr>
+              <a:t>Informações do fornecedor atrelados ao produto, vendas, etc.</a:t>
+            </a:r>
+            <a:endParaRPr lang="pt-BR" dirty="0" smtClean="0">
+              <a:solidFill>
+                <a:schemeClr val="accent1">
+                  <a:lumMod val="50000"/>
+                </a:schemeClr>
+              </a:solidFill>
+            </a:endParaRPr>
+          </a:p>
+        </p:txBody>
+      </p:sp>
+      <p:pic>
+        <p:nvPicPr>
+          <p:cNvPr id="7" name="Espaço Reservado para Conteúdo 6"/>
+          <p:cNvPicPr>
+            <a:picLocks noGrp="1" noChangeAspect="1"/>
+          </p:cNvPicPr>
+          <p:nvPr>
+            <p:ph idx="1"/>
+          </p:nvPr>
+        </p:nvPicPr>
+        <p:blipFill>
+          <a:blip r:embed="rId2">
+            <a:extLst>
+              <a:ext uri="{28A0092B-C50C-407E-A947-70E740481C1C}">
+                <a14:useLocalDpi xmlns:a14="http://schemas.microsoft.com/office/drawing/2010/main" val="0"/>
+              </a:ext>
+            </a:extLst>
+          </a:blip>
+          <a:stretch>
+            <a:fillRect/>
+          </a:stretch>
+        </p:blipFill>
+        <p:spPr>
+          <a:xfrm>
+            <a:off x="5262563" y="1361113"/>
+            <a:ext cx="6240462" cy="3754773"/>
+          </a:xfrm>
+        </p:spPr>
+      </p:pic>
+    </p:spTree>
+    <p:extLst>
+      <p:ext uri="{BB962C8B-B14F-4D97-AF65-F5344CB8AC3E}">
+        <p14:creationId xmlns:p14="http://schemas.microsoft.com/office/powerpoint/2010/main" val="2511535089"/>
+      </p:ext>
+    </p:extLst>
+  </p:cSld>
+  <p:clrMapOvr>
+    <a:masterClrMapping/>
+  </p:clrMapOvr>
+  <p:transition spd="slow">
+    <p:wipe/>
+  </p:transition>
+  <p:timing>
+    <p:tnLst>
+      <p:par>
+        <p:cTn id="1" dur="indefinite" restart="never" nodeType="tmRoot"/>
+      </p:par>
+    </p:tnLst>
+  </p:timing>
+</p:sld>
+</file>
+
+<file path=ppt/slides/slide13.xml><?xml version="1.0" encoding="utf-8"?>
+<p:sld xmlns:a="http://schemas.openxmlformats.org/drawingml/2006/main" xmlns:r="http://schemas.openxmlformats.org/officeDocument/2006/relationships" xmlns:p="http://schemas.openxmlformats.org/presentationml/2006/main">
+  <p:cSld>
+    <p:spTree>
+      <p:nvGrpSpPr>
+        <p:cNvPr id="1" name=""/>
+        <p:cNvGrpSpPr/>
+        <p:nvPr/>
+      </p:nvGrpSpPr>
+      <p:grpSpPr>
+        <a:xfrm>
+          <a:off x="0" y="0"/>
+          <a:ext cx="0" cy="0"/>
+          <a:chOff x="0" y="0"/>
+          <a:chExt cx="0" cy="0"/>
+        </a:xfrm>
+      </p:grpSpPr>
+      <p:sp>
+        <p:nvSpPr>
+          <p:cNvPr id="4" name="Título 3"/>
+          <p:cNvSpPr>
+            <a:spLocks noGrp="1"/>
+          </p:cNvSpPr>
+          <p:nvPr>
+            <p:ph type="title"/>
+          </p:nvPr>
+        </p:nvSpPr>
+        <p:spPr/>
+        <p:txBody>
+          <a:bodyPr>
+            <a:normAutofit/>
+          </a:bodyPr>
+          <a:lstStyle/>
+          <a:p>
+            <a:r>
+              <a:rPr lang="pt-BR" dirty="0" smtClean="0">
+                <a:solidFill>
+                  <a:schemeClr val="tx1">
+                    <a:lumMod val="75000"/>
+                    <a:lumOff val="25000"/>
+                  </a:schemeClr>
+                </a:solidFill>
+                <a:latin typeface="Roboto" pitchFamily="2" charset="0"/>
+                <a:ea typeface="Roboto" pitchFamily="2" charset="0"/>
+              </a:rPr>
+              <a:t>Vendas PEPS</a:t>
+            </a:r>
+            <a:endParaRPr lang="pt-BR" dirty="0">
+              <a:solidFill>
+                <a:schemeClr val="tx1">
+                  <a:lumMod val="75000"/>
+                  <a:lumOff val="25000"/>
+                </a:schemeClr>
+              </a:solidFill>
+              <a:latin typeface="Roboto" pitchFamily="2" charset="0"/>
+              <a:ea typeface="Roboto" pitchFamily="2" charset="0"/>
+            </a:endParaRPr>
+          </a:p>
+        </p:txBody>
+      </p:sp>
+      <p:sp>
+        <p:nvSpPr>
+          <p:cNvPr id="6" name="Espaço Reservado para Texto 5"/>
+          <p:cNvSpPr>
+            <a:spLocks noGrp="1"/>
+          </p:cNvSpPr>
+          <p:nvPr>
+            <p:ph type="body" sz="half" idx="2"/>
+          </p:nvPr>
+        </p:nvSpPr>
+        <p:spPr/>
+        <p:txBody>
+          <a:bodyPr>
+            <a:normAutofit/>
+          </a:bodyPr>
+          <a:lstStyle/>
+          <a:p>
+            <a:pPr marL="285750" indent="-285750" algn="just">
+              <a:buFontTx/>
+              <a:buChar char="-"/>
+            </a:pPr>
+            <a:r>
+              <a:rPr lang="pt-BR" dirty="0" smtClean="0">
+                <a:solidFill>
+                  <a:schemeClr val="accent1">
+                    <a:lumMod val="50000"/>
+                  </a:schemeClr>
+                </a:solidFill>
+              </a:rPr>
+              <a:t>Venda de produtos baseados no modelo PEPS.</a:t>
+            </a:r>
+          </a:p>
+        </p:txBody>
+      </p:sp>
+      <p:pic>
+        <p:nvPicPr>
+          <p:cNvPr id="8" name="Espaço Reservado para Conteúdo 7"/>
+          <p:cNvPicPr>
+            <a:picLocks noGrp="1" noChangeAspect="1"/>
+          </p:cNvPicPr>
+          <p:nvPr>
+            <p:ph idx="1"/>
+          </p:nvPr>
+        </p:nvPicPr>
+        <p:blipFill>
+          <a:blip r:embed="rId2">
+            <a:extLst>
+              <a:ext uri="{28A0092B-C50C-407E-A947-70E740481C1C}">
+                <a14:useLocalDpi xmlns:a14="http://schemas.microsoft.com/office/drawing/2010/main" val="0"/>
+              </a:ext>
+            </a:extLst>
+          </a:blip>
+          <a:stretch>
+            <a:fillRect/>
+          </a:stretch>
+        </p:blipFill>
+        <p:spPr>
+          <a:xfrm>
+            <a:off x="5262563" y="1083289"/>
+            <a:ext cx="6240462" cy="4310421"/>
+          </a:xfrm>
+        </p:spPr>
+      </p:pic>
+    </p:spTree>
+    <p:extLst>
+      <p:ext uri="{BB962C8B-B14F-4D97-AF65-F5344CB8AC3E}">
+        <p14:creationId xmlns:p14="http://schemas.microsoft.com/office/powerpoint/2010/main" val="3798112608"/>
+      </p:ext>
+    </p:extLst>
+  </p:cSld>
+  <p:clrMapOvr>
+    <a:masterClrMapping/>
+  </p:clrMapOvr>
+  <mc:AlternateContent xmlns:mc="http://schemas.openxmlformats.org/markup-compatibility/2006">
+    <mc:Choice xmlns:p14="http://schemas.microsoft.com/office/powerpoint/2010/main" Requires="p14">
+      <p:transition spd="slow" p14:dur="1500">
+        <p14:reveal/>
+      </p:transition>
+    </mc:Choice>
+    <mc:Fallback>
+      <p:transition spd="slow">
+        <p:fade/>
+      </p:transition>
+    </mc:Fallback>
+  </mc:AlternateContent>
+  <p:timing>
+    <p:tnLst>
+      <p:par>
+        <p:cTn id="1" dur="indefinite" restart="never" nodeType="tmRoot"/>
+      </p:par>
+    </p:tnLst>
+  </p:timing>
+</p:sld>
+</file>
+
+<file path=ppt/slides/slide14.xml><?xml version="1.0" encoding="utf-8"?>
+<p:sld xmlns:a="http://schemas.openxmlformats.org/drawingml/2006/main" xmlns:r="http://schemas.openxmlformats.org/officeDocument/2006/relationships" xmlns:p="http://schemas.openxmlformats.org/presentationml/2006/main">
+  <p:cSld>
+    <p:spTree>
+      <p:nvGrpSpPr>
+        <p:cNvPr id="1" name=""/>
+        <p:cNvGrpSpPr/>
+        <p:nvPr/>
+      </p:nvGrpSpPr>
+      <p:grpSpPr>
+        <a:xfrm>
+          <a:off x="0" y="0"/>
+          <a:ext cx="0" cy="0"/>
+          <a:chOff x="0" y="0"/>
+          <a:chExt cx="0" cy="0"/>
+        </a:xfrm>
+      </p:grpSpPr>
+      <p:sp>
+        <p:nvSpPr>
+          <p:cNvPr id="4" name="Título 3"/>
+          <p:cNvSpPr>
+            <a:spLocks noGrp="1"/>
+          </p:cNvSpPr>
+          <p:nvPr>
+            <p:ph type="title"/>
+          </p:nvPr>
+        </p:nvSpPr>
+        <p:spPr/>
+        <p:txBody>
+          <a:bodyPr>
+            <a:normAutofit/>
+          </a:bodyPr>
+          <a:lstStyle/>
+          <a:p>
+            <a:r>
+              <a:rPr lang="pt-BR" dirty="0" smtClean="0">
+                <a:solidFill>
+                  <a:schemeClr val="tx1">
+                    <a:lumMod val="75000"/>
+                    <a:lumOff val="25000"/>
+                  </a:schemeClr>
+                </a:solidFill>
+                <a:latin typeface="Roboto" pitchFamily="2" charset="0"/>
+                <a:ea typeface="Roboto" pitchFamily="2" charset="0"/>
+              </a:rPr>
+              <a:t>Vendas UEPS</a:t>
+            </a:r>
+            <a:endParaRPr lang="pt-BR" dirty="0">
+              <a:solidFill>
+                <a:schemeClr val="tx1">
+                  <a:lumMod val="75000"/>
+                  <a:lumOff val="25000"/>
+                </a:schemeClr>
+              </a:solidFill>
+              <a:latin typeface="Roboto" pitchFamily="2" charset="0"/>
+              <a:ea typeface="Roboto" pitchFamily="2" charset="0"/>
+            </a:endParaRPr>
+          </a:p>
+        </p:txBody>
+      </p:sp>
+      <p:sp>
+        <p:nvSpPr>
+          <p:cNvPr id="6" name="Espaço Reservado para Texto 5"/>
+          <p:cNvSpPr>
+            <a:spLocks noGrp="1"/>
+          </p:cNvSpPr>
+          <p:nvPr>
+            <p:ph type="body" sz="half" idx="2"/>
+          </p:nvPr>
+        </p:nvSpPr>
+        <p:spPr/>
+        <p:txBody>
+          <a:bodyPr>
+            <a:normAutofit/>
+          </a:bodyPr>
+          <a:lstStyle/>
+          <a:p>
+            <a:pPr marL="285750" indent="-285750" algn="just">
+              <a:buFontTx/>
+              <a:buChar char="-"/>
+            </a:pPr>
+            <a:r>
+              <a:rPr lang="pt-BR" dirty="0" smtClean="0">
+                <a:solidFill>
+                  <a:schemeClr val="accent1">
+                    <a:lumMod val="50000"/>
+                  </a:schemeClr>
+                </a:solidFill>
+              </a:rPr>
+              <a:t>Venda de produtos baseados no modelo UEPS.</a:t>
+            </a:r>
+          </a:p>
+        </p:txBody>
+      </p:sp>
+      <p:pic>
+        <p:nvPicPr>
+          <p:cNvPr id="7" name="Espaço Reservado para Conteúdo 6"/>
+          <p:cNvPicPr>
+            <a:picLocks noGrp="1" noChangeAspect="1"/>
+          </p:cNvPicPr>
+          <p:nvPr>
+            <p:ph idx="1"/>
+          </p:nvPr>
+        </p:nvPicPr>
+        <p:blipFill>
+          <a:blip r:embed="rId2">
+            <a:extLst>
+              <a:ext uri="{28A0092B-C50C-407E-A947-70E740481C1C}">
+                <a14:useLocalDpi xmlns:a14="http://schemas.microsoft.com/office/drawing/2010/main" val="0"/>
+              </a:ext>
+            </a:extLst>
+          </a:blip>
+          <a:stretch>
+            <a:fillRect/>
+          </a:stretch>
+        </p:blipFill>
+        <p:spPr>
+          <a:xfrm>
+            <a:off x="5262563" y="1097908"/>
+            <a:ext cx="6240462" cy="4281184"/>
+          </a:xfrm>
+        </p:spPr>
+      </p:pic>
+    </p:spTree>
+    <p:extLst>
+      <p:ext uri="{BB962C8B-B14F-4D97-AF65-F5344CB8AC3E}">
+        <p14:creationId xmlns:p14="http://schemas.microsoft.com/office/powerpoint/2010/main" val="3674951246"/>
+      </p:ext>
+    </p:extLst>
+  </p:cSld>
+  <p:clrMapOvr>
+    <a:masterClrMapping/>
+  </p:clrMapOvr>
+  <mc:AlternateContent xmlns:mc="http://schemas.openxmlformats.org/markup-compatibility/2006">
+    <mc:Choice xmlns:p14="http://schemas.microsoft.com/office/powerpoint/2010/main" Requires="p14">
+      <p:transition spd="slow" p14:dur="1500">
+        <p14:reveal/>
+      </p:transition>
+    </mc:Choice>
+    <mc:Fallback>
+      <p:transition spd="slow">
+        <p:fade/>
+      </p:transition>
+    </mc:Fallback>
+  </mc:AlternateContent>
+  <p:timing>
+    <p:tnLst>
+      <p:par>
+        <p:cTn id="1" dur="indefinite" restart="never" nodeType="tmRoot"/>
+      </p:par>
+    </p:tnLst>
+  </p:timing>
+</p:sld>
+</file>
+
+<file path=ppt/slides/slide15.xml><?xml version="1.0" encoding="utf-8"?>
+<p:sld xmlns:a="http://schemas.openxmlformats.org/drawingml/2006/main" xmlns:r="http://schemas.openxmlformats.org/officeDocument/2006/relationships" xmlns:p="http://schemas.openxmlformats.org/presentationml/2006/main">
+  <p:cSld>
+    <p:spTree>
+      <p:nvGrpSpPr>
+        <p:cNvPr id="1" name=""/>
+        <p:cNvGrpSpPr/>
+        <p:nvPr/>
+      </p:nvGrpSpPr>
+      <p:grpSpPr>
+        <a:xfrm>
+          <a:off x="0" y="0"/>
+          <a:ext cx="0" cy="0"/>
+          <a:chOff x="0" y="0"/>
+          <a:chExt cx="0" cy="0"/>
+        </a:xfrm>
+      </p:grpSpPr>
+      <p:sp>
+        <p:nvSpPr>
+          <p:cNvPr id="2" name="Título 1"/>
+          <p:cNvSpPr>
+            <a:spLocks noGrp="1"/>
+          </p:cNvSpPr>
+          <p:nvPr>
+            <p:ph type="title"/>
+          </p:nvPr>
+        </p:nvSpPr>
+        <p:spPr/>
+        <p:txBody>
+          <a:bodyPr>
+            <a:normAutofit/>
+          </a:bodyPr>
+          <a:lstStyle/>
+          <a:p>
+            <a:r>
+              <a:rPr lang="pt-BR" dirty="0" smtClean="0">
+                <a:solidFill>
+                  <a:schemeClr val="tx1">
+                    <a:lumMod val="75000"/>
+                    <a:lumOff val="25000"/>
+                  </a:schemeClr>
+                </a:solidFill>
+                <a:latin typeface="Roboto" pitchFamily="2" charset="0"/>
+                <a:ea typeface="Roboto" pitchFamily="2" charset="0"/>
+              </a:rPr>
+              <a:t>Informações Adicionais</a:t>
+            </a:r>
+            <a:endParaRPr lang="pt-BR" dirty="0">
+              <a:solidFill>
+                <a:schemeClr val="tx1">
+                  <a:lumMod val="75000"/>
+                  <a:lumOff val="25000"/>
+                </a:schemeClr>
+              </a:solidFill>
+              <a:latin typeface="Roboto" pitchFamily="2" charset="0"/>
+              <a:ea typeface="Roboto" pitchFamily="2" charset="0"/>
+            </a:endParaRPr>
+          </a:p>
+        </p:txBody>
+      </p:sp>
+      <p:sp>
+        <p:nvSpPr>
+          <p:cNvPr id="3" name="Espaço Reservado para Texto 2"/>
+          <p:cNvSpPr>
+            <a:spLocks noGrp="1"/>
+          </p:cNvSpPr>
+          <p:nvPr>
+            <p:ph type="body" idx="1"/>
+          </p:nvPr>
+        </p:nvSpPr>
+        <p:spPr/>
+        <p:txBody>
+          <a:bodyPr>
+            <a:normAutofit/>
+          </a:bodyPr>
+          <a:lstStyle/>
+          <a:p>
+            <a:r>
+              <a:rPr lang="pt-BR" sz="2400" dirty="0" smtClean="0">
+                <a:solidFill>
+                  <a:schemeClr val="accent1">
+                    <a:lumMod val="50000"/>
+                  </a:schemeClr>
+                </a:solidFill>
+              </a:rPr>
+              <a:t>Código </a:t>
+            </a:r>
+            <a:r>
+              <a:rPr lang="pt-BR" sz="2400" dirty="0">
+                <a:solidFill>
+                  <a:schemeClr val="accent1">
+                    <a:lumMod val="50000"/>
+                  </a:schemeClr>
+                </a:solidFill>
+              </a:rPr>
+              <a:t>fonte disponível em: </a:t>
+            </a:r>
+            <a:r>
+              <a:rPr lang="pt-BR" sz="2400" dirty="0" smtClean="0">
+                <a:solidFill>
+                  <a:schemeClr val="accent1">
+                    <a:lumMod val="50000"/>
+                  </a:schemeClr>
+                </a:solidFill>
+              </a:rPr>
+              <a:t>github.com/</a:t>
+            </a:r>
+            <a:r>
+              <a:rPr lang="pt-BR" sz="2400" dirty="0" err="1" smtClean="0">
+                <a:solidFill>
+                  <a:schemeClr val="accent1">
+                    <a:lumMod val="50000"/>
+                  </a:schemeClr>
+                </a:solidFill>
+              </a:rPr>
+              <a:t>GArmane</a:t>
+            </a:r>
+            <a:r>
+              <a:rPr lang="pt-BR" sz="2400" dirty="0" smtClean="0">
+                <a:solidFill>
+                  <a:schemeClr val="accent1">
+                    <a:lumMod val="50000"/>
+                  </a:schemeClr>
+                </a:solidFill>
+              </a:rPr>
+              <a:t>/Interdisciplinar</a:t>
+            </a:r>
+            <a:endParaRPr lang="pt-BR" sz="2400" dirty="0">
+              <a:solidFill>
+                <a:schemeClr val="accent1">
+                  <a:lumMod val="50000"/>
+                </a:schemeClr>
+              </a:solidFill>
+            </a:endParaRPr>
+          </a:p>
+        </p:txBody>
+      </p:sp>
+    </p:spTree>
+    <p:extLst>
+      <p:ext uri="{BB962C8B-B14F-4D97-AF65-F5344CB8AC3E}">
+        <p14:creationId xmlns:p14="http://schemas.microsoft.com/office/powerpoint/2010/main" val="1379323144"/>
+      </p:ext>
+    </p:extLst>
+  </p:cSld>
+  <p:clrMapOvr>
+    <a:masterClrMapping/>
+  </p:clrMapOvr>
+  <mc:AlternateContent xmlns:mc="http://schemas.openxmlformats.org/markup-compatibility/2006">
+    <mc:Choice xmlns:p14="http://schemas.microsoft.com/office/powerpoint/2010/main" Requires="p14">
+      <p:transition spd="slow" p14:dur="1500">
+        <p:circle/>
+      </p:transition>
+    </mc:Choice>
+    <mc:Fallback>
+      <p:transition spd="slow">
+        <p:circle/>
+      </p:transition>
+    </mc:Fallback>
+  </mc:AlternateContent>
   <p:timing>
     <p:tnLst>
       <p:par>
@@ -6307,6 +7318,9 @@
   <p:clrMapOvr>
     <a:masterClrMapping/>
   </p:clrMapOvr>
+  <p:transition spd="slow">
+    <p:wipe/>
+  </p:transition>
   <p:timing>
     <p:tnLst>
       <p:par>
@@ -6463,6 +7477,9 @@
   <p:clrMapOvr>
     <a:masterClrMapping/>
   </p:clrMapOvr>
+  <p:transition spd="slow">
+    <p:wipe/>
+  </p:transition>
   <p:timing>
     <p:tnLst>
       <p:par>
@@ -6506,7 +7523,7 @@
           <a:lstStyle/>
           <a:p>
             <a:r>
-              <a:rPr lang="pt-BR" smtClean="0">
+              <a:rPr lang="pt-BR" dirty="0" smtClean="0">
                 <a:solidFill>
                   <a:schemeClr val="tx1">
                     <a:lumMod val="75000"/>
@@ -6547,7 +7564,7 @@
           <a:lstStyle/>
           <a:p>
             <a:r>
-              <a:rPr lang="pt-BR" sz="3200" smtClean="0">
+              <a:rPr lang="pt-BR" sz="3200" dirty="0" smtClean="0">
                 <a:solidFill>
                   <a:schemeClr val="accent1">
                     <a:lumMod val="50000"/>
@@ -6576,6 +7593,9 @@
   <p:clrMapOvr>
     <a:masterClrMapping/>
   </p:clrMapOvr>
+  <p:transition spd="slow">
+    <p:wipe/>
+  </p:transition>
   <p:timing>
     <p:tnLst>
       <p:par>
@@ -6615,48 +7635,437 @@
         </p:nvSpPr>
         <p:spPr/>
         <p:txBody>
+          <a:bodyPr>
+            <a:normAutofit/>
+          </a:bodyPr>
+          <a:lstStyle/>
+          <a:p>
+            <a:r>
+              <a:rPr lang="pt-BR" spc="-150" dirty="0" smtClean="0">
+                <a:solidFill>
+                  <a:schemeClr val="tx1">
+                    <a:lumMod val="75000"/>
+                    <a:lumOff val="25000"/>
+                  </a:schemeClr>
+                </a:solidFill>
+                <a:latin typeface="Roboto" pitchFamily="2" charset="0"/>
+                <a:ea typeface="Roboto" pitchFamily="2" charset="0"/>
+              </a:rPr>
+              <a:t>Tela de Login</a:t>
+            </a:r>
+            <a:endParaRPr lang="pt-BR" spc="-150" dirty="0">
+              <a:solidFill>
+                <a:schemeClr val="tx1">
+                  <a:lumMod val="75000"/>
+                  <a:lumOff val="25000"/>
+                </a:schemeClr>
+              </a:solidFill>
+              <a:latin typeface="Roboto" pitchFamily="2" charset="0"/>
+              <a:ea typeface="Roboto" pitchFamily="2" charset="0"/>
+            </a:endParaRPr>
+          </a:p>
+        </p:txBody>
+      </p:sp>
+      <p:sp>
+        <p:nvSpPr>
+          <p:cNvPr id="6" name="Espaço Reservado para Texto 5"/>
+          <p:cNvSpPr>
+            <a:spLocks noGrp="1"/>
+          </p:cNvSpPr>
+          <p:nvPr>
+            <p:ph type="body" sz="half" idx="2"/>
+          </p:nvPr>
+        </p:nvSpPr>
+        <p:spPr/>
+        <p:txBody>
+          <a:bodyPr>
+            <a:normAutofit/>
+          </a:bodyPr>
+          <a:lstStyle/>
+          <a:p>
+            <a:pPr marL="285750" indent="-285750" algn="just">
+              <a:buFontTx/>
+              <a:buChar char="-"/>
+            </a:pPr>
+            <a:r>
+              <a:rPr lang="pt-BR" dirty="0" smtClean="0">
+                <a:solidFill>
+                  <a:schemeClr val="accent1">
+                    <a:lumMod val="50000"/>
+                  </a:schemeClr>
+                </a:solidFill>
+              </a:rPr>
+              <a:t>Tela de login para usuários. Nome de usuário e senha únicos no sistema.</a:t>
+            </a:r>
+          </a:p>
+        </p:txBody>
+      </p:sp>
+      <p:pic>
+        <p:nvPicPr>
+          <p:cNvPr id="8" name="Espaço Reservado para Conteúdo 7"/>
+          <p:cNvPicPr>
+            <a:picLocks noGrp="1" noChangeAspect="1"/>
+          </p:cNvPicPr>
+          <p:nvPr>
+            <p:ph idx="1"/>
+          </p:nvPr>
+        </p:nvPicPr>
+        <p:blipFill>
+          <a:blip r:embed="rId2">
+            <a:extLst>
+              <a:ext uri="{28A0092B-C50C-407E-A947-70E740481C1C}">
+                <a14:useLocalDpi xmlns:a14="http://schemas.microsoft.com/office/drawing/2010/main" val="0"/>
+              </a:ext>
+            </a:extLst>
+          </a:blip>
+          <a:stretch>
+            <a:fillRect/>
+          </a:stretch>
+        </p:blipFill>
+        <p:spPr>
+          <a:xfrm>
+            <a:off x="5262563" y="1151261"/>
+            <a:ext cx="6240462" cy="4174477"/>
+          </a:xfrm>
+        </p:spPr>
+      </p:pic>
+    </p:spTree>
+    <p:extLst>
+      <p:ext uri="{BB962C8B-B14F-4D97-AF65-F5344CB8AC3E}">
+        <p14:creationId xmlns:p14="http://schemas.microsoft.com/office/powerpoint/2010/main" val="1104291843"/>
+      </p:ext>
+    </p:extLst>
+  </p:cSld>
+  <p:clrMapOvr>
+    <a:masterClrMapping/>
+  </p:clrMapOvr>
+  <mc:AlternateContent xmlns:mc="http://schemas.openxmlformats.org/markup-compatibility/2006">
+    <mc:Choice xmlns:p14="http://schemas.microsoft.com/office/powerpoint/2010/main" Requires="p14">
+      <p:transition spd="slow" p14:dur="1500">
+        <p14:reveal/>
+      </p:transition>
+    </mc:Choice>
+    <mc:Fallback>
+      <p:transition spd="slow">
+        <p:fade/>
+      </p:transition>
+    </mc:Fallback>
+  </mc:AlternateContent>
+  <p:timing>
+    <p:tnLst>
+      <p:par>
+        <p:cTn id="1" dur="indefinite" restart="never" nodeType="tmRoot"/>
+      </p:par>
+    </p:tnLst>
+  </p:timing>
+</p:sld>
+</file>
+
+<file path=ppt/slides/slide6.xml><?xml version="1.0" encoding="utf-8"?>
+<p:sld xmlns:a="http://schemas.openxmlformats.org/drawingml/2006/main" xmlns:r="http://schemas.openxmlformats.org/officeDocument/2006/relationships" xmlns:p="http://schemas.openxmlformats.org/presentationml/2006/main">
+  <p:cSld>
+    <p:spTree>
+      <p:nvGrpSpPr>
+        <p:cNvPr id="1" name=""/>
+        <p:cNvGrpSpPr/>
+        <p:nvPr/>
+      </p:nvGrpSpPr>
+      <p:grpSpPr>
+        <a:xfrm>
+          <a:off x="0" y="0"/>
+          <a:ext cx="0" cy="0"/>
+          <a:chOff x="0" y="0"/>
+          <a:chExt cx="0" cy="0"/>
+        </a:xfrm>
+      </p:grpSpPr>
+      <p:sp>
+        <p:nvSpPr>
+          <p:cNvPr id="4" name="Título 3"/>
+          <p:cNvSpPr>
+            <a:spLocks noGrp="1"/>
+          </p:cNvSpPr>
+          <p:nvPr>
+            <p:ph type="title"/>
+          </p:nvPr>
+        </p:nvSpPr>
+        <p:spPr/>
+        <p:txBody>
+          <a:bodyPr>
+            <a:normAutofit/>
+          </a:bodyPr>
+          <a:lstStyle/>
+          <a:p>
+            <a:r>
+              <a:rPr lang="pt-BR" spc="-150" dirty="0" smtClean="0">
+                <a:solidFill>
+                  <a:schemeClr val="tx1">
+                    <a:lumMod val="75000"/>
+                    <a:lumOff val="25000"/>
+                  </a:schemeClr>
+                </a:solidFill>
+                <a:latin typeface="Roboto" pitchFamily="2" charset="0"/>
+                <a:ea typeface="Roboto" pitchFamily="2" charset="0"/>
+              </a:rPr>
+              <a:t>Menu Principal</a:t>
+            </a:r>
+            <a:endParaRPr lang="pt-BR" spc="-150" dirty="0">
+              <a:solidFill>
+                <a:schemeClr val="tx1">
+                  <a:lumMod val="75000"/>
+                  <a:lumOff val="25000"/>
+                </a:schemeClr>
+              </a:solidFill>
+              <a:latin typeface="Roboto" pitchFamily="2" charset="0"/>
+              <a:ea typeface="Roboto" pitchFamily="2" charset="0"/>
+            </a:endParaRPr>
+          </a:p>
+        </p:txBody>
+      </p:sp>
+      <p:sp>
+        <p:nvSpPr>
+          <p:cNvPr id="6" name="Espaço Reservado para Texto 5"/>
+          <p:cNvSpPr>
+            <a:spLocks noGrp="1"/>
+          </p:cNvSpPr>
+          <p:nvPr>
+            <p:ph type="body" sz="half" idx="2"/>
+          </p:nvPr>
+        </p:nvSpPr>
+        <p:spPr/>
+        <p:txBody>
+          <a:bodyPr>
+            <a:normAutofit/>
+          </a:bodyPr>
+          <a:lstStyle/>
+          <a:p>
+            <a:pPr marL="285750" indent="-285750" algn="just">
+              <a:buFontTx/>
+              <a:buChar char="-"/>
+            </a:pPr>
+            <a:r>
+              <a:rPr lang="pt-BR" dirty="0" smtClean="0">
+                <a:solidFill>
+                  <a:schemeClr val="accent1">
+                    <a:lumMod val="50000"/>
+                  </a:schemeClr>
+                </a:solidFill>
+              </a:rPr>
+              <a:t>Menu com funções disponibilizadas para o usuário.</a:t>
+            </a:r>
+          </a:p>
+        </p:txBody>
+      </p:sp>
+      <p:pic>
+        <p:nvPicPr>
+          <p:cNvPr id="3" name="Espaço Reservado para Conteúdo 2"/>
+          <p:cNvPicPr>
+            <a:picLocks noGrp="1" noChangeAspect="1"/>
+          </p:cNvPicPr>
+          <p:nvPr>
+            <p:ph idx="1"/>
+          </p:nvPr>
+        </p:nvPicPr>
+        <p:blipFill>
+          <a:blip r:embed="rId2">
+            <a:extLst>
+              <a:ext uri="{28A0092B-C50C-407E-A947-70E740481C1C}">
+                <a14:useLocalDpi xmlns:a14="http://schemas.microsoft.com/office/drawing/2010/main" val="0"/>
+              </a:ext>
+            </a:extLst>
+          </a:blip>
+          <a:stretch>
+            <a:fillRect/>
+          </a:stretch>
+        </p:blipFill>
+        <p:spPr>
+          <a:xfrm>
+            <a:off x="5262563" y="1858882"/>
+            <a:ext cx="6240462" cy="2759235"/>
+          </a:xfrm>
+        </p:spPr>
+      </p:pic>
+    </p:spTree>
+    <p:extLst>
+      <p:ext uri="{BB962C8B-B14F-4D97-AF65-F5344CB8AC3E}">
+        <p14:creationId xmlns:p14="http://schemas.microsoft.com/office/powerpoint/2010/main" val="1601139213"/>
+      </p:ext>
+    </p:extLst>
+  </p:cSld>
+  <p:clrMapOvr>
+    <a:masterClrMapping/>
+  </p:clrMapOvr>
+  <mc:AlternateContent xmlns:mc="http://schemas.openxmlformats.org/markup-compatibility/2006">
+    <mc:Choice xmlns:p14="http://schemas.microsoft.com/office/powerpoint/2010/main" Requires="p14">
+      <p:transition spd="slow" p14:dur="1500">
+        <p14:reveal/>
+      </p:transition>
+    </mc:Choice>
+    <mc:Fallback>
+      <p:transition spd="slow">
+        <p:fade/>
+      </p:transition>
+    </mc:Fallback>
+  </mc:AlternateContent>
+  <p:timing>
+    <p:tnLst>
+      <p:par>
+        <p:cTn id="1" dur="indefinite" restart="never" nodeType="tmRoot"/>
+      </p:par>
+    </p:tnLst>
+  </p:timing>
+</p:sld>
+</file>
+
+<file path=ppt/slides/slide7.xml><?xml version="1.0" encoding="utf-8"?>
+<p:sld xmlns:a="http://schemas.openxmlformats.org/drawingml/2006/main" xmlns:r="http://schemas.openxmlformats.org/officeDocument/2006/relationships" xmlns:p="http://schemas.openxmlformats.org/presentationml/2006/main">
+  <p:cSld>
+    <p:spTree>
+      <p:nvGrpSpPr>
+        <p:cNvPr id="1" name=""/>
+        <p:cNvGrpSpPr/>
+        <p:nvPr/>
+      </p:nvGrpSpPr>
+      <p:grpSpPr>
+        <a:xfrm>
+          <a:off x="0" y="0"/>
+          <a:ext cx="0" cy="0"/>
+          <a:chOff x="0" y="0"/>
+          <a:chExt cx="0" cy="0"/>
+        </a:xfrm>
+      </p:grpSpPr>
+      <p:sp>
+        <p:nvSpPr>
+          <p:cNvPr id="4" name="Título 3"/>
+          <p:cNvSpPr>
+            <a:spLocks noGrp="1"/>
+          </p:cNvSpPr>
+          <p:nvPr>
+            <p:ph type="title"/>
+          </p:nvPr>
+        </p:nvSpPr>
+        <p:spPr/>
+        <p:txBody>
           <a:bodyPr/>
           <a:lstStyle/>
           <a:p>
-            <a:endParaRPr lang="pt-BR"/>
-          </a:p>
-        </p:txBody>
-      </p:sp>
-      <p:sp>
-        <p:nvSpPr>
-          <p:cNvPr id="5" name="Espaço Reservado para Conteúdo 4"/>
-          <p:cNvSpPr>
-            <a:spLocks noGrp="1"/>
-          </p:cNvSpPr>
+            <a:r>
+              <a:rPr lang="pt-BR" dirty="0" smtClean="0">
+                <a:solidFill>
+                  <a:schemeClr val="tx1">
+                    <a:lumMod val="75000"/>
+                    <a:lumOff val="25000"/>
+                  </a:schemeClr>
+                </a:solidFill>
+                <a:latin typeface="Roboto" pitchFamily="2" charset="0"/>
+                <a:ea typeface="Roboto" pitchFamily="2" charset="0"/>
+              </a:rPr>
+              <a:t>Cadastro de Usuários</a:t>
+            </a:r>
+            <a:endParaRPr lang="pt-BR" dirty="0">
+              <a:solidFill>
+                <a:schemeClr val="tx1">
+                  <a:lumMod val="75000"/>
+                  <a:lumOff val="25000"/>
+                </a:schemeClr>
+              </a:solidFill>
+              <a:latin typeface="Roboto" pitchFamily="2" charset="0"/>
+              <a:ea typeface="Roboto" pitchFamily="2" charset="0"/>
+            </a:endParaRPr>
+          </a:p>
+        </p:txBody>
+      </p:sp>
+      <p:pic>
+        <p:nvPicPr>
+          <p:cNvPr id="2" name="Espaço Reservado para Conteúdo 1"/>
+          <p:cNvPicPr>
+            <a:picLocks noGrp="1" noChangeAspect="1"/>
+          </p:cNvPicPr>
           <p:nvPr>
             <p:ph idx="1"/>
           </p:nvPr>
+        </p:nvPicPr>
+        <p:blipFill>
+          <a:blip r:embed="rId2">
+            <a:extLst>
+              <a:ext uri="{28A0092B-C50C-407E-A947-70E740481C1C}">
+                <a14:useLocalDpi xmlns:a14="http://schemas.microsoft.com/office/drawing/2010/main" val="0"/>
+              </a:ext>
+            </a:extLst>
+          </a:blip>
+          <a:stretch>
+            <a:fillRect/>
+          </a:stretch>
+        </p:blipFill>
+        <p:spPr>
+          <a:xfrm>
+            <a:off x="5262563" y="1148454"/>
+            <a:ext cx="6240462" cy="4180092"/>
+          </a:xfrm>
+        </p:spPr>
+      </p:pic>
+      <p:sp>
+        <p:nvSpPr>
+          <p:cNvPr id="6" name="Espaço Reservado para Texto 5"/>
+          <p:cNvSpPr>
+            <a:spLocks noGrp="1"/>
+          </p:cNvSpPr>
+          <p:nvPr>
+            <p:ph type="body" sz="half" idx="2"/>
+          </p:nvPr>
         </p:nvSpPr>
         <p:spPr/>
         <p:txBody>
-          <a:bodyPr/>
-          <a:lstStyle/>
-          <a:p>
-            <a:endParaRPr lang="pt-BR"/>
-          </a:p>
-        </p:txBody>
-      </p:sp>
-      <p:sp>
-        <p:nvSpPr>
-          <p:cNvPr id="6" name="Espaço Reservado para Texto 5"/>
-          <p:cNvSpPr>
-            <a:spLocks noGrp="1"/>
-          </p:cNvSpPr>
-          <p:nvPr>
-            <p:ph type="body" sz="half" idx="2"/>
-          </p:nvPr>
-        </p:nvSpPr>
-        <p:spPr/>
-        <p:txBody>
-          <a:bodyPr/>
-          <a:lstStyle/>
-          <a:p>
-            <a:endParaRPr lang="pt-BR"/>
+          <a:bodyPr>
+            <a:normAutofit/>
+          </a:bodyPr>
+          <a:lstStyle/>
+          <a:p>
+            <a:pPr marL="285750" indent="-285750" algn="just">
+              <a:buFontTx/>
+              <a:buChar char="-"/>
+            </a:pPr>
+            <a:r>
+              <a:rPr lang="pt-BR" dirty="0" smtClean="0">
+                <a:solidFill>
+                  <a:schemeClr val="accent1">
+                    <a:lumMod val="50000"/>
+                  </a:schemeClr>
+                </a:solidFill>
+              </a:rPr>
+              <a:t>Cadastro com nome de usuário e senha únicos</a:t>
+            </a:r>
+          </a:p>
+          <a:p>
+            <a:pPr marL="285750" indent="-285750" algn="just">
+              <a:buFontTx/>
+              <a:buChar char="-"/>
+            </a:pPr>
+            <a:r>
+              <a:rPr lang="pt-BR" dirty="0" smtClean="0">
+                <a:solidFill>
+                  <a:schemeClr val="accent1">
+                    <a:lumMod val="50000"/>
+                  </a:schemeClr>
+                </a:solidFill>
+              </a:rPr>
+              <a:t>Cadastro com níveis de segurança.</a:t>
+            </a:r>
+          </a:p>
+          <a:p>
+            <a:pPr marL="285750" indent="-285750" algn="just">
+              <a:buFontTx/>
+              <a:buChar char="-"/>
+            </a:pPr>
+            <a:r>
+              <a:rPr lang="pt-BR" dirty="0" smtClean="0">
+                <a:solidFill>
+                  <a:schemeClr val="accent1">
+                    <a:lumMod val="50000"/>
+                  </a:schemeClr>
+                </a:solidFill>
+              </a:rPr>
+              <a:t>Super admin, administrador e usuário básico.</a:t>
+            </a:r>
           </a:p>
         </p:txBody>
       </p:sp>
@@ -6670,6 +8079,326 @@
   <p:clrMapOvr>
     <a:masterClrMapping/>
   </p:clrMapOvr>
+  <mc:AlternateContent xmlns:mc="http://schemas.openxmlformats.org/markup-compatibility/2006">
+    <mc:Choice xmlns:p14="http://schemas.microsoft.com/office/powerpoint/2010/main" Requires="p14">
+      <p:transition spd="slow" p14:dur="1500">
+        <p14:reveal/>
+      </p:transition>
+    </mc:Choice>
+    <mc:Fallback>
+      <p:transition spd="slow">
+        <p:fade/>
+      </p:transition>
+    </mc:Fallback>
+  </mc:AlternateContent>
+  <p:timing>
+    <p:tnLst>
+      <p:par>
+        <p:cTn id="1" dur="indefinite" restart="never" nodeType="tmRoot"/>
+      </p:par>
+    </p:tnLst>
+  </p:timing>
+</p:sld>
+</file>
+
+<file path=ppt/slides/slide8.xml><?xml version="1.0" encoding="utf-8"?>
+<p:sld xmlns:a="http://schemas.openxmlformats.org/drawingml/2006/main" xmlns:r="http://schemas.openxmlformats.org/officeDocument/2006/relationships" xmlns:p="http://schemas.openxmlformats.org/presentationml/2006/main">
+  <p:cSld>
+    <p:spTree>
+      <p:nvGrpSpPr>
+        <p:cNvPr id="1" name=""/>
+        <p:cNvGrpSpPr/>
+        <p:nvPr/>
+      </p:nvGrpSpPr>
+      <p:grpSpPr>
+        <a:xfrm>
+          <a:off x="0" y="0"/>
+          <a:ext cx="0" cy="0"/>
+          <a:chOff x="0" y="0"/>
+          <a:chExt cx="0" cy="0"/>
+        </a:xfrm>
+      </p:grpSpPr>
+      <p:sp>
+        <p:nvSpPr>
+          <p:cNvPr id="4" name="Título 3"/>
+          <p:cNvSpPr>
+            <a:spLocks noGrp="1"/>
+          </p:cNvSpPr>
+          <p:nvPr>
+            <p:ph type="title"/>
+          </p:nvPr>
+        </p:nvSpPr>
+        <p:spPr/>
+        <p:txBody>
+          <a:bodyPr>
+            <a:normAutofit/>
+          </a:bodyPr>
+          <a:lstStyle/>
+          <a:p>
+            <a:r>
+              <a:rPr lang="pt-BR" dirty="0" smtClean="0">
+                <a:solidFill>
+                  <a:schemeClr val="tx1">
+                    <a:lumMod val="75000"/>
+                    <a:lumOff val="25000"/>
+                  </a:schemeClr>
+                </a:solidFill>
+                <a:latin typeface="Roboto" pitchFamily="2" charset="0"/>
+                <a:ea typeface="Roboto" pitchFamily="2" charset="0"/>
+              </a:rPr>
+              <a:t>Consulta de Usuários</a:t>
+            </a:r>
+            <a:endParaRPr lang="pt-BR" dirty="0">
+              <a:solidFill>
+                <a:schemeClr val="tx1">
+                  <a:lumMod val="75000"/>
+                  <a:lumOff val="25000"/>
+                </a:schemeClr>
+              </a:solidFill>
+              <a:latin typeface="Roboto" pitchFamily="2" charset="0"/>
+              <a:ea typeface="Roboto" pitchFamily="2" charset="0"/>
+            </a:endParaRPr>
+          </a:p>
+        </p:txBody>
+      </p:sp>
+      <p:sp>
+        <p:nvSpPr>
+          <p:cNvPr id="6" name="Espaço Reservado para Texto 5"/>
+          <p:cNvSpPr>
+            <a:spLocks noGrp="1"/>
+          </p:cNvSpPr>
+          <p:nvPr>
+            <p:ph type="body" sz="half" idx="2"/>
+          </p:nvPr>
+        </p:nvSpPr>
+        <p:spPr/>
+        <p:txBody>
+          <a:bodyPr>
+            <a:normAutofit/>
+          </a:bodyPr>
+          <a:lstStyle/>
+          <a:p>
+            <a:pPr marL="285750" indent="-285750" algn="just">
+              <a:buFontTx/>
+              <a:buChar char="-"/>
+            </a:pPr>
+            <a:r>
+              <a:rPr lang="pt-BR" dirty="0" smtClean="0">
+                <a:solidFill>
+                  <a:schemeClr val="accent1">
+                    <a:lumMod val="50000"/>
+                  </a:schemeClr>
+                </a:solidFill>
+              </a:rPr>
+              <a:t>Consulta no banco de dados sobre usuários do sistema.</a:t>
+            </a:r>
+          </a:p>
+        </p:txBody>
+      </p:sp>
+      <p:pic>
+        <p:nvPicPr>
+          <p:cNvPr id="8" name="Espaço Reservado para Conteúdo 7"/>
+          <p:cNvPicPr>
+            <a:picLocks noGrp="1" noChangeAspect="1"/>
+          </p:cNvPicPr>
+          <p:nvPr>
+            <p:ph idx="1"/>
+          </p:nvPr>
+        </p:nvPicPr>
+        <p:blipFill>
+          <a:blip r:embed="rId2">
+            <a:extLst>
+              <a:ext uri="{28A0092B-C50C-407E-A947-70E740481C1C}">
+                <a14:useLocalDpi xmlns:a14="http://schemas.microsoft.com/office/drawing/2010/main" val="0"/>
+              </a:ext>
+            </a:extLst>
+          </a:blip>
+          <a:stretch>
+            <a:fillRect/>
+          </a:stretch>
+        </p:blipFill>
+        <p:spPr>
+          <a:xfrm>
+            <a:off x="5262563" y="1926644"/>
+            <a:ext cx="6240462" cy="2623711"/>
+          </a:xfrm>
+        </p:spPr>
+      </p:pic>
+    </p:spTree>
+    <p:extLst>
+      <p:ext uri="{BB962C8B-B14F-4D97-AF65-F5344CB8AC3E}">
+        <p14:creationId xmlns:p14="http://schemas.microsoft.com/office/powerpoint/2010/main" val="2701536843"/>
+      </p:ext>
+    </p:extLst>
+  </p:cSld>
+  <p:clrMapOvr>
+    <a:masterClrMapping/>
+  </p:clrMapOvr>
+  <p:transition spd="slow">
+    <p:wipe/>
+  </p:transition>
+  <p:timing>
+    <p:tnLst>
+      <p:par>
+        <p:cTn id="1" dur="indefinite" restart="never" nodeType="tmRoot"/>
+      </p:par>
+    </p:tnLst>
+  </p:timing>
+</p:sld>
+</file>
+
+<file path=ppt/slides/slide9.xml><?xml version="1.0" encoding="utf-8"?>
+<p:sld xmlns:a="http://schemas.openxmlformats.org/drawingml/2006/main" xmlns:r="http://schemas.openxmlformats.org/officeDocument/2006/relationships" xmlns:p="http://schemas.openxmlformats.org/presentationml/2006/main">
+  <p:cSld>
+    <p:spTree>
+      <p:nvGrpSpPr>
+        <p:cNvPr id="1" name=""/>
+        <p:cNvGrpSpPr/>
+        <p:nvPr/>
+      </p:nvGrpSpPr>
+      <p:grpSpPr>
+        <a:xfrm>
+          <a:off x="0" y="0"/>
+          <a:ext cx="0" cy="0"/>
+          <a:chOff x="0" y="0"/>
+          <a:chExt cx="0" cy="0"/>
+        </a:xfrm>
+      </p:grpSpPr>
+      <p:sp>
+        <p:nvSpPr>
+          <p:cNvPr id="4" name="Título 3"/>
+          <p:cNvSpPr>
+            <a:spLocks noGrp="1"/>
+          </p:cNvSpPr>
+          <p:nvPr>
+            <p:ph type="title"/>
+          </p:nvPr>
+        </p:nvSpPr>
+        <p:spPr/>
+        <p:txBody>
+          <a:bodyPr>
+            <a:normAutofit/>
+          </a:bodyPr>
+          <a:lstStyle/>
+          <a:p>
+            <a:r>
+              <a:rPr lang="pt-BR" spc="-150" dirty="0" smtClean="0">
+                <a:solidFill>
+                  <a:schemeClr val="tx1">
+                    <a:lumMod val="75000"/>
+                    <a:lumOff val="25000"/>
+                  </a:schemeClr>
+                </a:solidFill>
+                <a:latin typeface="Roboto" pitchFamily="2" charset="0"/>
+                <a:ea typeface="Roboto" pitchFamily="2" charset="0"/>
+              </a:rPr>
+              <a:t>Cadastro de Fornecedores</a:t>
+            </a:r>
+            <a:endParaRPr lang="pt-BR" spc="-150" dirty="0">
+              <a:solidFill>
+                <a:schemeClr val="tx1">
+                  <a:lumMod val="75000"/>
+                  <a:lumOff val="25000"/>
+                </a:schemeClr>
+              </a:solidFill>
+              <a:latin typeface="Roboto" pitchFamily="2" charset="0"/>
+              <a:ea typeface="Roboto" pitchFamily="2" charset="0"/>
+            </a:endParaRPr>
+          </a:p>
+        </p:txBody>
+      </p:sp>
+      <p:sp>
+        <p:nvSpPr>
+          <p:cNvPr id="6" name="Espaço Reservado para Texto 5"/>
+          <p:cNvSpPr>
+            <a:spLocks noGrp="1"/>
+          </p:cNvSpPr>
+          <p:nvPr>
+            <p:ph type="body" sz="half" idx="2"/>
+          </p:nvPr>
+        </p:nvSpPr>
+        <p:spPr/>
+        <p:txBody>
+          <a:bodyPr>
+            <a:normAutofit/>
+          </a:bodyPr>
+          <a:lstStyle/>
+          <a:p>
+            <a:pPr marL="285750" indent="-285750" algn="just">
+              <a:buFontTx/>
+              <a:buChar char="-"/>
+            </a:pPr>
+            <a:r>
+              <a:rPr lang="pt-BR" dirty="0" smtClean="0">
+                <a:solidFill>
+                  <a:schemeClr val="accent1">
+                    <a:lumMod val="50000"/>
+                  </a:schemeClr>
+                </a:solidFill>
+              </a:rPr>
+              <a:t>Cadastros único com informações para contato.</a:t>
+            </a:r>
+          </a:p>
+        </p:txBody>
+      </p:sp>
+      <p:pic>
+        <p:nvPicPr>
+          <p:cNvPr id="8" name="Espaço Reservado para Conteúdo 7"/>
+          <p:cNvPicPr>
+            <a:picLocks noGrp="1" noChangeAspect="1"/>
+          </p:cNvPicPr>
+          <p:nvPr>
+            <p:ph idx="1"/>
+          </p:nvPr>
+        </p:nvPicPr>
+        <p:blipFill>
+          <a:blip r:embed="rId2">
+            <a:extLst>
+              <a:ext uri="{28A0092B-C50C-407E-A947-70E740481C1C}">
+                <a14:useLocalDpi xmlns:a14="http://schemas.microsoft.com/office/drawing/2010/main" val="0"/>
+              </a:ext>
+            </a:extLst>
+          </a:blip>
+          <a:stretch>
+            <a:fillRect/>
+          </a:stretch>
+        </p:blipFill>
+        <p:spPr>
+          <a:xfrm>
+            <a:off x="6024488" y="685800"/>
+            <a:ext cx="4716612" cy="5105400"/>
+          </a:xfrm>
+        </p:spPr>
+      </p:pic>
+    </p:spTree>
+    <p:extLst>
+      <p:ext uri="{BB962C8B-B14F-4D97-AF65-F5344CB8AC3E}">
+        <p14:creationId xmlns:p14="http://schemas.microsoft.com/office/powerpoint/2010/main" val="3825125813"/>
+      </p:ext>
+    </p:extLst>
+  </p:cSld>
+  <p:clrMapOvr>
+    <a:masterClrMapping/>
+  </p:clrMapOvr>
+  <mc:AlternateContent xmlns:mc="http://schemas.openxmlformats.org/markup-compatibility/2006">
+    <mc:Choice xmlns:p14="http://schemas.microsoft.com/office/powerpoint/2010/main" Requires="p14">
+      <p:transition spd="slow" p14:dur="1500">
+        <p14:reveal/>
+      </p:transition>
+    </mc:Choice>
+    <mc:Fallback>
+      <p:transition spd="slow">
+        <p:fade/>
+      </p:transition>
+    </mc:Fallback>
+  </mc:AlternateContent>
+  <p:timing>
+    <p:tnLst>
+      <p:par>
+        <p:cTn id="1" dur="indefinite" restart="never" nodeType="tmRoot"/>
+      </p:par>
+    </p:tnLst>
+  </p:timing>
 </p:sld>
 </file>
 
